--- a/BIBM/fig2-3.pptx
+++ b/BIBM/fig2-3.pptx
@@ -243,7 +243,7 @@
           <a:p>
             <a:fld id="{D997B5FA-0921-464F-AAE1-844C04324D75}" type="datetimeFigureOut">
               <a:rPr lang="zh-CN" altLang="en-US" smtClean="0"/>
-              <a:t>2021/9/29</a:t>
+              <a:t>2021/10/2</a:t>
             </a:fld>
             <a:endParaRPr lang="zh-CN" altLang="en-US"/>
           </a:p>
@@ -413,7 +413,7 @@
           <a:p>
             <a:fld id="{D997B5FA-0921-464F-AAE1-844C04324D75}" type="datetimeFigureOut">
               <a:rPr lang="zh-CN" altLang="en-US" smtClean="0"/>
-              <a:t>2021/9/29</a:t>
+              <a:t>2021/10/2</a:t>
             </a:fld>
             <a:endParaRPr lang="zh-CN" altLang="en-US"/>
           </a:p>
@@ -593,7 +593,7 @@
           <a:p>
             <a:fld id="{D997B5FA-0921-464F-AAE1-844C04324D75}" type="datetimeFigureOut">
               <a:rPr lang="zh-CN" altLang="en-US" smtClean="0"/>
-              <a:t>2021/9/29</a:t>
+              <a:t>2021/10/2</a:t>
             </a:fld>
             <a:endParaRPr lang="zh-CN" altLang="en-US"/>
           </a:p>
@@ -763,7 +763,7 @@
           <a:p>
             <a:fld id="{D997B5FA-0921-464F-AAE1-844C04324D75}" type="datetimeFigureOut">
               <a:rPr lang="zh-CN" altLang="en-US" smtClean="0"/>
-              <a:t>2021/9/29</a:t>
+              <a:t>2021/10/2</a:t>
             </a:fld>
             <a:endParaRPr lang="zh-CN" altLang="en-US"/>
           </a:p>
@@ -1009,7 +1009,7 @@
           <a:p>
             <a:fld id="{D997B5FA-0921-464F-AAE1-844C04324D75}" type="datetimeFigureOut">
               <a:rPr lang="zh-CN" altLang="en-US" smtClean="0"/>
-              <a:t>2021/9/29</a:t>
+              <a:t>2021/10/2</a:t>
             </a:fld>
             <a:endParaRPr lang="zh-CN" altLang="en-US"/>
           </a:p>
@@ -1241,7 +1241,7 @@
           <a:p>
             <a:fld id="{D997B5FA-0921-464F-AAE1-844C04324D75}" type="datetimeFigureOut">
               <a:rPr lang="zh-CN" altLang="en-US" smtClean="0"/>
-              <a:t>2021/9/29</a:t>
+              <a:t>2021/10/2</a:t>
             </a:fld>
             <a:endParaRPr lang="zh-CN" altLang="en-US"/>
           </a:p>
@@ -1608,7 +1608,7 @@
           <a:p>
             <a:fld id="{D997B5FA-0921-464F-AAE1-844C04324D75}" type="datetimeFigureOut">
               <a:rPr lang="zh-CN" altLang="en-US" smtClean="0"/>
-              <a:t>2021/9/29</a:t>
+              <a:t>2021/10/2</a:t>
             </a:fld>
             <a:endParaRPr lang="zh-CN" altLang="en-US"/>
           </a:p>
@@ -1726,7 +1726,7 @@
           <a:p>
             <a:fld id="{D997B5FA-0921-464F-AAE1-844C04324D75}" type="datetimeFigureOut">
               <a:rPr lang="zh-CN" altLang="en-US" smtClean="0"/>
-              <a:t>2021/9/29</a:t>
+              <a:t>2021/10/2</a:t>
             </a:fld>
             <a:endParaRPr lang="zh-CN" altLang="en-US"/>
           </a:p>
@@ -1821,7 +1821,7 @@
           <a:p>
             <a:fld id="{D997B5FA-0921-464F-AAE1-844C04324D75}" type="datetimeFigureOut">
               <a:rPr lang="zh-CN" altLang="en-US" smtClean="0"/>
-              <a:t>2021/9/29</a:t>
+              <a:t>2021/10/2</a:t>
             </a:fld>
             <a:endParaRPr lang="zh-CN" altLang="en-US"/>
           </a:p>
@@ -2098,7 +2098,7 @@
           <a:p>
             <a:fld id="{D997B5FA-0921-464F-AAE1-844C04324D75}" type="datetimeFigureOut">
               <a:rPr lang="zh-CN" altLang="en-US" smtClean="0"/>
-              <a:t>2021/9/29</a:t>
+              <a:t>2021/10/2</a:t>
             </a:fld>
             <a:endParaRPr lang="zh-CN" altLang="en-US"/>
           </a:p>
@@ -2355,7 +2355,7 @@
           <a:p>
             <a:fld id="{D997B5FA-0921-464F-AAE1-844C04324D75}" type="datetimeFigureOut">
               <a:rPr lang="zh-CN" altLang="en-US" smtClean="0"/>
-              <a:t>2021/9/29</a:t>
+              <a:t>2021/10/2</a:t>
             </a:fld>
             <a:endParaRPr lang="zh-CN" altLang="en-US"/>
           </a:p>
@@ -2568,7 +2568,7 @@
           <a:p>
             <a:fld id="{D997B5FA-0921-464F-AAE1-844C04324D75}" type="datetimeFigureOut">
               <a:rPr lang="zh-CN" altLang="en-US" smtClean="0"/>
-              <a:t>2021/9/29</a:t>
+              <a:t>2021/10/2</a:t>
             </a:fld>
             <a:endParaRPr lang="zh-CN" altLang="en-US"/>
           </a:p>
@@ -3024,7 +3024,7 @@
           <a:p>
             <a:pPr algn="ctr"/>
             <a:r>
-              <a:rPr lang="en-US" altLang="zh-CN" sz="1497" dirty="0">
+              <a:rPr lang="en-US" altLang="zh-CN" dirty="0">
                 <a:solidFill>
                   <a:schemeClr val="tx1"/>
                 </a:solidFill>
@@ -3033,7 +3033,7 @@
               </a:rPr>
               <a:t>SAM RDD</a:t>
             </a:r>
-            <a:endParaRPr lang="zh-CN" altLang="en-US" sz="1497" dirty="0">
+            <a:endParaRPr lang="zh-CN" altLang="en-US" dirty="0">
               <a:solidFill>
                 <a:schemeClr val="tx1"/>
               </a:solidFill>
@@ -3094,7 +3094,7 @@
           <a:p>
             <a:pPr algn="ctr"/>
             <a:r>
-              <a:rPr lang="en-US" altLang="zh-CN" sz="1497" dirty="0">
+              <a:rPr lang="en-US" altLang="zh-CN" dirty="0">
                 <a:solidFill>
                   <a:schemeClr val="tx1"/>
                 </a:solidFill>
@@ -3103,7 +3103,7 @@
               </a:rPr>
               <a:t>GTF RDD</a:t>
             </a:r>
-            <a:endParaRPr lang="zh-CN" altLang="en-US" sz="1497" dirty="0">
+            <a:endParaRPr lang="zh-CN" altLang="en-US" dirty="0">
               <a:solidFill>
                 <a:schemeClr val="tx1"/>
               </a:solidFill>
@@ -3164,7 +3164,7 @@
           <a:p>
             <a:pPr algn="ctr"/>
             <a:r>
-              <a:rPr lang="en-US" altLang="zh-CN" sz="1497" dirty="0">
+              <a:rPr lang="en-US" altLang="zh-CN" dirty="0">
                 <a:solidFill>
                   <a:schemeClr val="tx1"/>
                 </a:solidFill>
@@ -3173,7 +3173,7 @@
               </a:rPr>
               <a:t>Grouped SAM RDD</a:t>
             </a:r>
-            <a:endParaRPr lang="zh-CN" altLang="en-US" sz="1497" dirty="0">
+            <a:endParaRPr lang="zh-CN" altLang="en-US" dirty="0">
               <a:solidFill>
                 <a:schemeClr val="tx1"/>
               </a:solidFill>
@@ -3234,7 +3234,7 @@
           <a:p>
             <a:pPr algn="ctr"/>
             <a:r>
-              <a:rPr lang="en-US" altLang="zh-CN" sz="1497" dirty="0">
+              <a:rPr lang="en-US" altLang="zh-CN" dirty="0">
                 <a:solidFill>
                   <a:schemeClr val="tx1"/>
                 </a:solidFill>
@@ -3243,7 +3243,7 @@
               </a:rPr>
               <a:t>Grouped GTF RDD</a:t>
             </a:r>
-            <a:endParaRPr lang="zh-CN" altLang="en-US" sz="1497" dirty="0">
+            <a:endParaRPr lang="zh-CN" altLang="en-US" dirty="0">
               <a:solidFill>
                 <a:schemeClr val="tx1"/>
               </a:solidFill>
@@ -3363,7 +3363,7 @@
         </p:nvSpPr>
         <p:spPr>
           <a:xfrm>
-            <a:off x="6306218" y="1182040"/>
+            <a:off x="6306218" y="1144272"/>
             <a:ext cx="1316308" cy="338554"/>
           </a:xfrm>
           <a:prstGeom prst="rect">
@@ -3406,7 +3406,7 @@
         </p:nvSpPr>
         <p:spPr>
           <a:xfrm>
-            <a:off x="10890662" y="1182040"/>
+            <a:off x="10890663" y="1143280"/>
             <a:ext cx="1402198" cy="338554"/>
           </a:xfrm>
           <a:prstGeom prst="rect">
@@ -3572,7 +3572,7 @@
           <a:p>
             <a:pPr algn="ctr"/>
             <a:r>
-              <a:rPr lang="en-US" altLang="zh-CN" sz="1497" dirty="0">
+              <a:rPr lang="en-US" altLang="zh-CN" dirty="0">
                 <a:solidFill>
                   <a:schemeClr val="tx1"/>
                 </a:solidFill>
@@ -3581,7 +3581,7 @@
               </a:rPr>
               <a:t>Chromosome Partition RDD</a:t>
             </a:r>
-            <a:endParaRPr lang="zh-CN" altLang="en-US" sz="1497" dirty="0">
+            <a:endParaRPr lang="zh-CN" altLang="en-US" dirty="0">
               <a:solidFill>
                 <a:schemeClr val="tx1"/>
               </a:solidFill>
@@ -3642,7 +3642,7 @@
           <a:p>
             <a:pPr algn="ctr"/>
             <a:r>
-              <a:rPr lang="en-US" altLang="zh-CN" sz="1497" dirty="0">
+              <a:rPr lang="en-US" altLang="zh-CN" dirty="0">
                 <a:solidFill>
                   <a:schemeClr val="tx1"/>
                 </a:solidFill>
@@ -3651,7 +3651,7 @@
               </a:rPr>
               <a:t>Counted RDD</a:t>
             </a:r>
-            <a:endParaRPr lang="zh-CN" altLang="en-US" sz="1497" dirty="0">
+            <a:endParaRPr lang="zh-CN" altLang="en-US" dirty="0">
               <a:solidFill>
                 <a:schemeClr val="tx1"/>
               </a:solidFill>
@@ -3712,7 +3712,7 @@
           <a:p>
             <a:pPr algn="ctr"/>
             <a:r>
-              <a:rPr lang="en-US" altLang="zh-CN" sz="1497" dirty="0">
+              <a:rPr lang="en-US" altLang="zh-CN" dirty="0">
                 <a:solidFill>
                   <a:schemeClr val="tx1"/>
                 </a:solidFill>
@@ -3842,7 +3842,7 @@
         <p:spPr>
           <a:xfrm>
             <a:off x="6964372" y="932189"/>
-            <a:ext cx="0" cy="249851"/>
+            <a:ext cx="0" cy="212083"/>
           </a:xfrm>
           <a:prstGeom prst="line">
             <a:avLst/>
@@ -3879,9 +3879,9 @@
           <p:nvPr/>
         </p:nvCxnSpPr>
         <p:spPr>
-          <a:xfrm flipH="1">
-            <a:off x="11591761" y="932189"/>
-            <a:ext cx="1" cy="249851"/>
+          <a:xfrm>
+            <a:off x="11591762" y="932189"/>
+            <a:ext cx="0" cy="211091"/>
           </a:xfrm>
           <a:prstGeom prst="line">
             <a:avLst/>
@@ -3919,8 +3919,8 @@
         </p:nvCxnSpPr>
         <p:spPr>
           <a:xfrm>
-            <a:off x="11591761" y="1520594"/>
-            <a:ext cx="1" cy="174317"/>
+            <a:off x="11591762" y="1481834"/>
+            <a:ext cx="0" cy="213077"/>
           </a:xfrm>
           <a:prstGeom prst="straightConnector1">
             <a:avLst/>
@@ -3961,8 +3961,8 @@
         </p:nvCxnSpPr>
         <p:spPr>
           <a:xfrm>
-            <a:off x="6964372" y="1520594"/>
-            <a:ext cx="2526" cy="174315"/>
+            <a:off x="6964372" y="1482826"/>
+            <a:ext cx="2526" cy="212083"/>
           </a:xfrm>
           <a:prstGeom prst="straightConnector1">
             <a:avLst/>
@@ -4272,7 +4272,7 @@
               <a:defRPr/>
             </a:pPr>
             <a:r>
-              <a:rPr kumimoji="0" lang="en-US" altLang="zh-CN" sz="1497" b="0" i="0" u="none" strike="noStrike" kern="0" cap="none" spc="0" normalizeH="0" baseline="0" noProof="0" dirty="0">
+              <a:rPr kumimoji="0" lang="en-US" altLang="zh-CN" b="0" i="0" u="none" strike="noStrike" kern="0" cap="none" spc="0" normalizeH="0" baseline="0" noProof="0" dirty="0">
                 <a:ln>
                   <a:noFill/>
                 </a:ln>
@@ -4288,7 +4288,7 @@
               </a:rPr>
               <a:t>FASTQ FILE</a:t>
             </a:r>
-            <a:endParaRPr kumimoji="0" lang="zh-CN" altLang="en-US" sz="1497" b="0" i="0" u="none" strike="noStrike" kern="0" cap="none" spc="0" normalizeH="0" baseline="0" noProof="0" dirty="0">
+            <a:endParaRPr kumimoji="0" lang="zh-CN" altLang="en-US" b="0" i="0" u="none" strike="noStrike" kern="0" cap="none" spc="0" normalizeH="0" baseline="0" noProof="0" dirty="0">
               <a:ln>
                 <a:noFill/>
               </a:ln>
@@ -4359,7 +4359,7 @@
               <a:defRPr/>
             </a:pPr>
             <a:r>
-              <a:rPr kumimoji="0" lang="en-US" altLang="zh-CN" sz="2001" b="0" i="0" u="none" strike="noStrike" kern="0" cap="none" spc="0" normalizeH="0" baseline="0" noProof="0" dirty="0">
+              <a:rPr kumimoji="0" lang="en-US" altLang="zh-CN" sz="2400" b="0" i="0" u="none" strike="noStrike" kern="0" cap="none" spc="0" normalizeH="0" baseline="0" noProof="0" dirty="0">
                 <a:ln>
                   <a:noFill/>
                 </a:ln>
@@ -4375,7 +4375,7 @@
               </a:rPr>
               <a:t>STAR</a:t>
             </a:r>
-            <a:endParaRPr kumimoji="0" lang="zh-CN" altLang="en-US" sz="2001" b="0" i="0" u="none" strike="noStrike" kern="0" cap="none" spc="0" normalizeH="0" baseline="0" noProof="0" dirty="0">
+            <a:endParaRPr kumimoji="0" lang="zh-CN" altLang="en-US" sz="2400" b="0" i="0" u="none" strike="noStrike" kern="0" cap="none" spc="0" normalizeH="0" baseline="0" noProof="0" dirty="0">
               <a:ln>
                 <a:noFill/>
               </a:ln>
@@ -4446,7 +4446,7 @@
               <a:defRPr/>
             </a:pPr>
             <a:r>
-              <a:rPr kumimoji="0" lang="en-US" altLang="zh-CN" sz="1497" b="0" i="0" u="none" strike="noStrike" kern="0" cap="none" spc="0" normalizeH="0" baseline="0" noProof="0" dirty="0">
+              <a:rPr kumimoji="0" lang="en-US" altLang="zh-CN" sz="2000" i="0" u="none" strike="noStrike" kern="0" cap="none" spc="0" normalizeH="0" baseline="0" noProof="0" dirty="0">
                 <a:ln>
                   <a:noFill/>
                 </a:ln>
@@ -4462,7 +4462,7 @@
               </a:rPr>
               <a:t>BAM / SAM FILE</a:t>
             </a:r>
-            <a:endParaRPr kumimoji="0" lang="zh-CN" altLang="en-US" sz="1497" b="0" i="0" u="none" strike="noStrike" kern="0" cap="none" spc="0" normalizeH="0" baseline="0" noProof="0" dirty="0">
+            <a:endParaRPr kumimoji="0" lang="zh-CN" altLang="en-US" sz="2000" i="0" u="none" strike="noStrike" kern="0" cap="none" spc="0" normalizeH="0" baseline="0" noProof="0" dirty="0">
               <a:ln>
                 <a:noFill/>
               </a:ln>
@@ -4531,8 +4531,8 @@
         </p:nvSpPr>
         <p:spPr>
           <a:xfrm>
-            <a:off x="853085" y="1517970"/>
-            <a:ext cx="1233030" cy="323165"/>
+            <a:off x="817179" y="1494934"/>
+            <a:ext cx="1300357" cy="338554"/>
           </a:xfrm>
           <a:prstGeom prst="rect">
             <a:avLst/>
@@ -4565,7 +4565,7 @@
               <a:defRPr/>
             </a:pPr>
             <a:r>
-              <a:rPr kumimoji="0" lang="en-US" altLang="zh-CN" sz="1500" b="0" i="0" u="none" strike="noStrike" kern="0" cap="none" spc="0" normalizeH="0" baseline="0" noProof="0" dirty="0">
+              <a:rPr kumimoji="0" lang="en-US" altLang="zh-CN" sz="1600" b="0" i="0" u="none" strike="noStrike" kern="0" cap="none" spc="0" normalizeH="0" baseline="0" noProof="0" dirty="0">
                 <a:ln>
                   <a:noFill/>
                 </a:ln>
@@ -4580,7 +4580,7 @@
               </a:rPr>
               <a:t>Disk Access</a:t>
             </a:r>
-            <a:endParaRPr kumimoji="0" lang="zh-CN" altLang="en-US" sz="1500" b="0" i="0" u="none" strike="noStrike" kern="0" cap="none" spc="0" normalizeH="0" baseline="0" noProof="0" dirty="0">
+            <a:endParaRPr kumimoji="0" lang="zh-CN" altLang="en-US" sz="1600" b="0" i="0" u="none" strike="noStrike" kern="0" cap="none" spc="0" normalizeH="0" baseline="0" noProof="0" dirty="0">
               <a:ln>
                 <a:noFill/>
               </a:ln>
@@ -4648,8 +4648,8 @@
         </p:nvSpPr>
         <p:spPr>
           <a:xfrm>
-            <a:off x="863619" y="2796204"/>
-            <a:ext cx="1233030" cy="323165"/>
+            <a:off x="810894" y="2788508"/>
+            <a:ext cx="1300357" cy="338554"/>
           </a:xfrm>
           <a:prstGeom prst="rect">
             <a:avLst/>
@@ -4682,7 +4682,7 @@
               <a:defRPr/>
             </a:pPr>
             <a:r>
-              <a:rPr kumimoji="0" lang="en-US" altLang="zh-CN" sz="1500" b="0" i="0" u="none" strike="noStrike" kern="0" cap="none" spc="0" normalizeH="0" baseline="0" noProof="0" dirty="0">
+              <a:rPr kumimoji="0" lang="en-US" altLang="zh-CN" sz="1600" b="0" i="0" u="none" strike="noStrike" kern="0" cap="none" spc="0" normalizeH="0" baseline="0" noProof="0" dirty="0">
                 <a:ln>
                   <a:noFill/>
                 </a:ln>
@@ -4697,7 +4697,7 @@
               </a:rPr>
               <a:t>Disk Access</a:t>
             </a:r>
-            <a:endParaRPr kumimoji="0" lang="zh-CN" altLang="en-US" sz="1500" b="0" i="0" u="none" strike="noStrike" kern="0" cap="none" spc="0" normalizeH="0" baseline="0" noProof="0" dirty="0">
+            <a:endParaRPr kumimoji="0" lang="zh-CN" altLang="en-US" sz="1600" b="0" i="0" u="none" strike="noStrike" kern="0" cap="none" spc="0" normalizeH="0" baseline="0" noProof="0" dirty="0">
               <a:ln>
                 <a:noFill/>
               </a:ln>
@@ -4956,7 +4956,7 @@
               <a:defRPr/>
             </a:pPr>
             <a:r>
-              <a:rPr kumimoji="0" lang="en-US" altLang="zh-CN" sz="1497" b="0" i="0" u="none" strike="noStrike" kern="0" cap="none" spc="0" normalizeH="0" baseline="0" noProof="0" dirty="0">
+              <a:rPr kumimoji="0" lang="en-US" altLang="zh-CN" sz="2000" b="0" i="0" u="none" strike="noStrike" kern="0" cap="none" spc="0" normalizeH="0" baseline="0" noProof="0" dirty="0">
                 <a:ln>
                   <a:noFill/>
                 </a:ln>
@@ -4972,7 +4972,7 @@
               </a:rPr>
               <a:t>FASTQ RDD</a:t>
             </a:r>
-            <a:endParaRPr kumimoji="0" lang="zh-CN" altLang="en-US" sz="1497" b="0" i="0" u="none" strike="noStrike" kern="0" cap="none" spc="0" normalizeH="0" baseline="0" noProof="0" dirty="0">
+            <a:endParaRPr kumimoji="0" lang="zh-CN" altLang="en-US" sz="2000" b="0" i="0" u="none" strike="noStrike" kern="0" cap="none" spc="0" normalizeH="0" baseline="0" noProof="0" dirty="0">
               <a:ln>
                 <a:noFill/>
               </a:ln>
@@ -5043,7 +5043,7 @@
               <a:defRPr/>
             </a:pPr>
             <a:r>
-              <a:rPr kumimoji="0" lang="en-US" altLang="zh-CN" sz="2001" b="0" i="0" u="none" strike="noStrike" kern="0" cap="none" spc="0" normalizeH="0" baseline="0" noProof="0" dirty="0">
+              <a:rPr kumimoji="0" lang="en-US" altLang="zh-CN" sz="2400" b="0" i="0" u="none" strike="noStrike" kern="0" cap="none" spc="0" normalizeH="0" baseline="0" noProof="0" dirty="0">
                 <a:ln>
                   <a:noFill/>
                 </a:ln>
@@ -5059,7 +5059,7 @@
               </a:rPr>
               <a:t>STAR</a:t>
             </a:r>
-            <a:endParaRPr kumimoji="0" lang="zh-CN" altLang="en-US" sz="2001" b="0" i="0" u="none" strike="noStrike" kern="0" cap="none" spc="0" normalizeH="0" baseline="0" noProof="0" dirty="0">
+            <a:endParaRPr kumimoji="0" lang="zh-CN" altLang="en-US" sz="2400" b="0" i="0" u="none" strike="noStrike" kern="0" cap="none" spc="0" normalizeH="0" baseline="0" noProof="0" dirty="0">
               <a:ln>
                 <a:noFill/>
               </a:ln>
@@ -5130,7 +5130,7 @@
               <a:defRPr/>
             </a:pPr>
             <a:r>
-              <a:rPr kumimoji="0" lang="en-US" altLang="zh-CN" sz="1497" b="0" i="0" u="none" strike="noStrike" kern="0" cap="none" spc="0" normalizeH="0" baseline="0" noProof="0" dirty="0">
+              <a:rPr kumimoji="0" lang="en-US" altLang="zh-CN" b="0" i="0" u="none" strike="noStrike" kern="0" cap="none" spc="0" normalizeH="0" baseline="0" noProof="0" dirty="0">
                 <a:ln>
                   <a:noFill/>
                 </a:ln>
@@ -5146,7 +5146,7 @@
               </a:rPr>
               <a:t>BAM / SAM RDD</a:t>
             </a:r>
-            <a:endParaRPr kumimoji="0" lang="zh-CN" altLang="en-US" sz="1497" b="0" i="0" u="none" strike="noStrike" kern="0" cap="none" spc="0" normalizeH="0" baseline="0" noProof="0" dirty="0">
+            <a:endParaRPr kumimoji="0" lang="zh-CN" altLang="en-US" b="0" i="0" u="none" strike="noStrike" kern="0" cap="none" spc="0" normalizeH="0" baseline="0" noProof="0" dirty="0">
               <a:ln>
                 <a:noFill/>
               </a:ln>
@@ -5460,8 +5460,8 @@
         </p:nvSpPr>
         <p:spPr>
           <a:xfrm>
-            <a:off x="558588" y="266427"/>
-            <a:ext cx="574431" cy="369332"/>
+            <a:off x="271372" y="242024"/>
+            <a:ext cx="574431" cy="400110"/>
           </a:xfrm>
           <a:prstGeom prst="rect">
             <a:avLst/>
@@ -5475,17 +5475,16 @@
           <a:lstStyle/>
           <a:p>
             <a:r>
-              <a:rPr lang="en-US" altLang="zh-CN" dirty="0"/>
-              <a:t>a</a:t>
-            </a:r>
-            <a:r>
-              <a:rPr lang="en-US" altLang="zh-CN" dirty="0">
+              <a:rPr lang="en-US" altLang="zh-CN" sz="2000" dirty="0">
                 <a:latin typeface="Arial" panose="020B0604020202020204" pitchFamily="34" charset="0"/>
                 <a:cs typeface="Arial" panose="020B0604020202020204" pitchFamily="34" charset="0"/>
               </a:rPr>
-              <a:t>.</a:t>
-            </a:r>
-            <a:endParaRPr lang="zh-CN" altLang="en-US" dirty="0"/>
+              <a:t>a</a:t>
+            </a:r>
+            <a:endParaRPr lang="zh-CN" altLang="en-US" sz="2000" dirty="0">
+              <a:latin typeface="Arial" panose="020B0604020202020204" pitchFamily="34" charset="0"/>
+              <a:cs typeface="Arial" panose="020B0604020202020204" pitchFamily="34" charset="0"/>
+            </a:endParaRPr>
           </a:p>
         </p:txBody>
       </p:sp>
@@ -5503,8 +5502,8 @@
         </p:nvSpPr>
         <p:spPr>
           <a:xfrm>
-            <a:off x="6154372" y="266427"/>
-            <a:ext cx="574431" cy="369332"/>
+            <a:off x="5867156" y="242024"/>
+            <a:ext cx="574431" cy="400110"/>
           </a:xfrm>
           <a:prstGeom prst="rect">
             <a:avLst/>
@@ -5518,17 +5517,16 @@
           <a:lstStyle/>
           <a:p>
             <a:r>
-              <a:rPr lang="en-US" altLang="zh-CN" dirty="0"/>
-              <a:t>b</a:t>
-            </a:r>
-            <a:r>
-              <a:rPr lang="en-US" altLang="zh-CN" dirty="0">
+              <a:rPr lang="en-US" altLang="zh-CN" sz="2000" dirty="0">
                 <a:latin typeface="Arial" panose="020B0604020202020204" pitchFamily="34" charset="0"/>
                 <a:cs typeface="Arial" panose="020B0604020202020204" pitchFamily="34" charset="0"/>
               </a:rPr>
-              <a:t>.</a:t>
-            </a:r>
-            <a:endParaRPr lang="zh-CN" altLang="en-US" dirty="0"/>
+              <a:t>b</a:t>
+            </a:r>
+            <a:endParaRPr lang="zh-CN" altLang="en-US" sz="2000" dirty="0">
+              <a:latin typeface="Arial" panose="020B0604020202020204" pitchFamily="34" charset="0"/>
+              <a:cs typeface="Arial" panose="020B0604020202020204" pitchFamily="34" charset="0"/>
+            </a:endParaRPr>
           </a:p>
         </p:txBody>
       </p:sp>
